--- a/Article/答辩演示.pptx
+++ b/Article/答辩演示.pptx
@@ -12,7 +12,8 @@
     <p:sldId id="260" r:id="rId6"/>
     <p:sldId id="261" r:id="rId7"/>
     <p:sldId id="262" r:id="rId8"/>
-    <p:sldId id="263" r:id="rId9"/>
+    <p:sldId id="264" r:id="rId9"/>
+    <p:sldId id="263" r:id="rId10"/>
   </p:sldIdLst>
   <p:sldSz cx="12192000" cy="6858000"/>
   <p:notesSz cx="6858000" cy="9144000"/>
@@ -111,6 +112,11 @@
       </a:defRPr>
     </a:lvl9pPr>
   </p:defaultTextStyle>
+  <p:extLst>
+    <p:ext uri="{EFAFB233-063F-42B5-8137-9DF3F51BA10A}">
+      <p15:sldGuideLst xmlns:p15="http://schemas.microsoft.com/office/powerpoint/2012/main"/>
+    </p:ext>
+  </p:extLst>
 </p:presentation>
 </file>
 
@@ -3097,7 +3103,9 @@
         </p:nvSpPr>
         <p:spPr/>
         <p:txBody>
-          <a:bodyPr/>
+          <a:bodyPr>
+            <a:normAutofit lnSpcReduction="10000"/>
+          </a:bodyPr>
           <a:lstStyle/>
           <a:p>
             <a:pPr>
@@ -4700,6 +4708,162 @@
           <a:chExt cx="0" cy="0"/>
         </a:xfrm>
       </p:grpSpPr>
+      <p:pic>
+        <p:nvPicPr>
+          <p:cNvPr id="4" name="内容占位符 3"/>
+          <p:cNvPicPr>
+            <a:picLocks noGrp="1" noChangeAspect="1"/>
+          </p:cNvPicPr>
+          <p:nvPr>
+            <p:ph idx="1"/>
+          </p:nvPr>
+        </p:nvPicPr>
+        <p:blipFill>
+          <a:blip r:embed="rId2">
+            <a:extLst>
+              <a:ext uri="{28A0092B-C50C-407E-A947-70E740481C1C}">
+                <a14:useLocalDpi xmlns:a14="http://schemas.microsoft.com/office/drawing/2010/main" val="0"/>
+              </a:ext>
+            </a:extLst>
+          </a:blip>
+          <a:stretch>
+            <a:fillRect/>
+          </a:stretch>
+        </p:blipFill>
+        <p:spPr>
+          <a:xfrm>
+            <a:off x="6457444" y="3310745"/>
+            <a:ext cx="4600958" cy="3264489"/>
+          </a:xfrm>
+        </p:spPr>
+      </p:pic>
+      <p:pic>
+        <p:nvPicPr>
+          <p:cNvPr id="5" name="图片 4"/>
+          <p:cNvPicPr>
+            <a:picLocks noChangeAspect="1"/>
+          </p:cNvPicPr>
+          <p:nvPr/>
+        </p:nvPicPr>
+        <p:blipFill>
+          <a:blip r:embed="rId3">
+            <a:extLst>
+              <a:ext uri="{28A0092B-C50C-407E-A947-70E740481C1C}">
+                <a14:useLocalDpi xmlns:a14="http://schemas.microsoft.com/office/drawing/2010/main" val="0"/>
+              </a:ext>
+            </a:extLst>
+          </a:blip>
+          <a:stretch>
+            <a:fillRect/>
+          </a:stretch>
+        </p:blipFill>
+        <p:spPr>
+          <a:xfrm>
+            <a:off x="6096000" y="0"/>
+            <a:ext cx="4962402" cy="3491843"/>
+          </a:xfrm>
+          <a:prstGeom prst="rect">
+            <a:avLst/>
+          </a:prstGeom>
+        </p:spPr>
+      </p:pic>
+      <p:pic>
+        <p:nvPicPr>
+          <p:cNvPr id="6" name="图片 5"/>
+          <p:cNvPicPr>
+            <a:picLocks noChangeAspect="1"/>
+          </p:cNvPicPr>
+          <p:nvPr/>
+        </p:nvPicPr>
+        <p:blipFill>
+          <a:blip r:embed="rId4">
+            <a:extLst>
+              <a:ext uri="{28A0092B-C50C-407E-A947-70E740481C1C}">
+                <a14:useLocalDpi xmlns:a14="http://schemas.microsoft.com/office/drawing/2010/main" val="0"/>
+              </a:ext>
+            </a:extLst>
+          </a:blip>
+          <a:stretch>
+            <a:fillRect/>
+          </a:stretch>
+        </p:blipFill>
+        <p:spPr>
+          <a:xfrm>
+            <a:off x="735115" y="3193571"/>
+            <a:ext cx="4780175" cy="3489643"/>
+          </a:xfrm>
+          <a:prstGeom prst="rect">
+            <a:avLst/>
+          </a:prstGeom>
+        </p:spPr>
+      </p:pic>
+      <p:pic>
+        <p:nvPicPr>
+          <p:cNvPr id="7" name="图片 6"/>
+          <p:cNvPicPr>
+            <a:picLocks noChangeAspect="1"/>
+          </p:cNvPicPr>
+          <p:nvPr/>
+        </p:nvPicPr>
+        <p:blipFill>
+          <a:blip r:embed="rId5">
+            <a:extLst>
+              <a:ext uri="{28A0092B-C50C-407E-A947-70E740481C1C}">
+                <a14:useLocalDpi xmlns:a14="http://schemas.microsoft.com/office/drawing/2010/main" val="0"/>
+              </a:ext>
+            </a:extLst>
+          </a:blip>
+          <a:stretch>
+            <a:fillRect/>
+          </a:stretch>
+        </p:blipFill>
+        <p:spPr>
+          <a:xfrm>
+            <a:off x="735115" y="119863"/>
+            <a:ext cx="4784398" cy="3374909"/>
+          </a:xfrm>
+          <a:prstGeom prst="rect">
+            <a:avLst/>
+          </a:prstGeom>
+        </p:spPr>
+      </p:pic>
+    </p:spTree>
+    <p:extLst>
+      <p:ext uri="{BB962C8B-B14F-4D97-AF65-F5344CB8AC3E}">
+        <p14:creationId xmlns:p14="http://schemas.microsoft.com/office/powerpoint/2010/main" val="1194567800"/>
+      </p:ext>
+    </p:extLst>
+  </p:cSld>
+  <p:clrMapOvr>
+    <a:masterClrMapping/>
+  </p:clrMapOvr>
+  <p:timing>
+    <p:tnLst>
+      <p:par>
+        <p:cTn id="1" dur="indefinite" restart="never" nodeType="tmRoot"/>
+      </p:par>
+    </p:tnLst>
+  </p:timing>
+</p:sld>
+</file>
+
+<file path=ppt/slides/slide9.xml><?xml version="1.0" encoding="utf-8"?>
+<p:sld xmlns:a="http://schemas.openxmlformats.org/drawingml/2006/main" xmlns:r="http://schemas.openxmlformats.org/officeDocument/2006/relationships" xmlns:p="http://schemas.openxmlformats.org/presentationml/2006/main">
+  <p:cSld>
+    <p:spTree>
+      <p:nvGrpSpPr>
+        <p:cNvPr id="1" name=""/>
+        <p:cNvGrpSpPr/>
+        <p:nvPr/>
+      </p:nvGrpSpPr>
+      <p:grpSpPr>
+        <a:xfrm>
+          <a:off x="0" y="0"/>
+          <a:ext cx="0" cy="0"/>
+          <a:chOff x="0" y="0"/>
+          <a:chExt cx="0" cy="0"/>
+        </a:xfrm>
+      </p:grpSpPr>
       <p:sp>
         <p:nvSpPr>
           <p:cNvPr id="2" name="标题 1"/>
